--- a/Labels.pptx
+++ b/Labels.pptx
@@ -3114,7 +3114,14 @@
                 <a:latin typeface="Courier New" panose="02070309020205020404" pitchFamily="49" charset="0"/>
                 <a:cs typeface="Courier New" panose="02070309020205020404" pitchFamily="49" charset="0"/>
               </a:rPr>
-              <a:t> 000000000000</a:t>
+              <a:t> </a:t>
+            </a:r>
+            <a:r>
+              <a:rPr lang="de-DE" sz="1400" b="1" dirty="0">
+                <a:latin typeface="Courier New" panose="02070309020205020404" pitchFamily="49" charset="0"/>
+                <a:cs typeface="Courier New" panose="02070309020205020404" pitchFamily="49" charset="0"/>
+              </a:rPr>
+              <a:t>4cebd6ae22fd</a:t>
             </a:r>
             <a:r>
               <a:rPr lang="en-US" sz="1400" b="1" dirty="0">
@@ -3192,7 +3199,27 @@
                 <a:latin typeface="Courier New" panose="02070309020205020404" pitchFamily="49" charset="0"/>
                 <a:cs typeface="Courier New" panose="02070309020205020404" pitchFamily="49" charset="0"/>
               </a:rPr>
-              <a:t>Smoke: 000000000000 </a:t>
+              <a:t>Smoke: </a:t>
+            </a:r>
+            <a:r>
+              <a:rPr lang="de-DE" sz="1400" b="1" dirty="0">
+                <a:solidFill>
+                  <a:schemeClr val="tx1"/>
+                </a:solidFill>
+                <a:latin typeface="Courier New" panose="02070309020205020404" pitchFamily="49" charset="0"/>
+                <a:cs typeface="Courier New" panose="02070309020205020404" pitchFamily="49" charset="0"/>
+              </a:rPr>
+              <a:t>4cebd6ae2296</a:t>
+            </a:r>
+            <a:r>
+              <a:rPr lang="en-US" sz="1400" b="1" dirty="0">
+                <a:solidFill>
+                  <a:schemeClr val="tx1"/>
+                </a:solidFill>
+                <a:latin typeface="Courier New" panose="02070309020205020404" pitchFamily="49" charset="0"/>
+                <a:cs typeface="Courier New" panose="02070309020205020404" pitchFamily="49" charset="0"/>
+              </a:rPr>
+              <a:t> </a:t>
             </a:r>
             <a:endParaRPr lang="sv-SE" sz="1400" b="1" dirty="0">
               <a:solidFill>
@@ -3260,7 +3287,7 @@
                 <a:latin typeface="Courier New" panose="02070309020205020404" pitchFamily="49" charset="0"/>
                 <a:cs typeface="Courier New" panose="02070309020205020404" pitchFamily="49" charset="0"/>
               </a:rPr>
-              <a:t>Enclosure: 000000000000 </a:t>
+              <a:t>Enclosure: 4cebd6ae233d </a:t>
             </a:r>
             <a:endParaRPr lang="sv-SE" sz="1400" b="1" dirty="0">
               <a:solidFill>
@@ -5037,6 +5064,59 @@
           </p:txBody>
         </p:sp>
       </p:grpSp>
+      <p:sp>
+        <p:nvSpPr>
+          <p:cNvPr id="64" name="TextBox 63">
+            <a:extLst>
+              <a:ext uri="{FF2B5EF4-FFF2-40B4-BE49-F238E27FC236}">
+                <a16:creationId xmlns:a16="http://schemas.microsoft.com/office/drawing/2014/main" id="{E8641349-A4F5-4863-38CD-53BFF228C069}"/>
+              </a:ext>
+            </a:extLst>
+          </p:cNvPr>
+          <p:cNvSpPr txBox="1"/>
+          <p:nvPr/>
+        </p:nvSpPr>
+        <p:spPr>
+          <a:xfrm>
+            <a:off x="4831318" y="229182"/>
+            <a:ext cx="4953476" cy="461665"/>
+          </a:xfrm>
+          <a:prstGeom prst="rect">
+            <a:avLst/>
+          </a:prstGeom>
+          <a:noFill/>
+        </p:spPr>
+        <p:txBody>
+          <a:bodyPr wrap="square">
+            <a:spAutoFit/>
+          </a:bodyPr>
+          <a:lstStyle/>
+          <a:p>
+            <a:r>
+              <a:rPr lang="sv-SE" sz="600" dirty="0"/>
+              <a:t>192.168.1.31	xtool-d1.laser.local 		# 1c:eb:d6:ac:ef:c1</a:t>
+            </a:r>
+          </a:p>
+          <a:p>
+            <a:r>
+              <a:rPr lang="sv-SE" sz="600" dirty="0"/>
+              <a:t>192.168.1.32	xtool-d1.air.local 			# 4c:eb:d6:ae:22:fd</a:t>
+            </a:r>
+          </a:p>
+          <a:p>
+            <a:r>
+              <a:rPr lang="sv-SE" sz="600" dirty="0"/>
+              <a:t>192.168.1.33	xtool-d1.smoke.local 		# 4c:eb:d6:ae:22:96</a:t>
+            </a:r>
+          </a:p>
+          <a:p>
+            <a:r>
+              <a:rPr lang="sv-SE" sz="600" dirty="0"/>
+              <a:t>192.168.1.34	xtool-d1.enclosure.local 	# 4c:eb:d6:ae:23:3d</a:t>
+            </a:r>
+          </a:p>
+        </p:txBody>
+      </p:sp>
     </p:spTree>
     <p:extLst>
       <p:ext uri="{BB962C8B-B14F-4D97-AF65-F5344CB8AC3E}">
